--- a/PPT/showdown.pptx
+++ b/PPT/showdown.pptx
@@ -16823,8 +16823,8 @@
         </p:nvSpPr>
         <p:spPr>
           <a:xfrm>
-            <a:off x="1070882" y="4747470"/>
-            <a:ext cx="7002238" cy="861774"/>
+            <a:off x="1378659" y="4747470"/>
+            <a:ext cx="6386684" cy="861774"/>
           </a:xfrm>
           <a:prstGeom prst="rect">
             <a:avLst/>
@@ -16843,7 +16843,7 @@
                 <a:latin typeface="넥슨Lv2고딕 OTF" panose="00000500000000000000" pitchFamily="50" charset="-127"/>
                 <a:ea typeface="넥슨Lv2고딕 OTF" panose="00000500000000000000" pitchFamily="50" charset="-127"/>
               </a:rPr>
-              <a:t>앱에서 난수를 전송하자</a:t>
+              <a:t>앱에 난수를 전송하자</a:t>
             </a:r>
             <a:r>
               <a:rPr lang="en-US" altLang="ko-KR" sz="5000" b="1" spc="300" dirty="0">

--- a/PPT/showdown.pptx
+++ b/PPT/showdown.pptx
@@ -12002,7 +12002,7 @@
                 <a:latin typeface="넥슨Lv2고딕 OTF" panose="00000500000000000000" pitchFamily="50" charset="-127"/>
                 <a:ea typeface="넥슨Lv2고딕 OTF" panose="00000500000000000000" pitchFamily="50" charset="-127"/>
               </a:rPr>
-              <a:t>수틀리면 제 핸드폰을 엎어버리겠다는 건가요</a:t>
+              <a:t>제 핸드폰을 어떻게 하려는 건가요</a:t>
             </a:r>
             <a:r>
               <a:rPr lang="en-US" altLang="ko-KR" sz="3000" spc="300" dirty="0">

--- a/PPT/showdown.pptx
+++ b/PPT/showdown.pptx
@@ -14042,7 +14042,7 @@
                 <a:latin typeface="넥슨Lv2고딕 OTF" panose="00000500000000000000" pitchFamily="50" charset="-127"/>
                 <a:ea typeface="넥슨Lv2고딕 OTF" panose="00000500000000000000" pitchFamily="50" charset="-127"/>
               </a:rPr>
-              <a:t> 참조</a:t>
+              <a:t> 참조 부탁드립니다</a:t>
             </a:r>
             <a:r>
               <a:rPr lang="en-US" altLang="ko-KR" dirty="0">
